--- a/doc/Report/Jan 29 2022.pptx
+++ b/doc/Report/Jan 29 2022.pptx
@@ -213,7 +213,7 @@
           <a:p>
             <a:fld id="{97BE2177-E45B-449F-AE2E-ED4743253C6D}" type="datetimeFigureOut">
               <a:rPr lang="zh-CN" altLang="en-US" smtClean="0"/>
-              <a:t>2022/1/29</a:t>
+              <a:t>2022/6/20</a:t>
             </a:fld>
             <a:endParaRPr lang="zh-CN" altLang="en-US"/>
           </a:p>
@@ -1047,7 +1047,7 @@
           <a:p>
             <a:fld id="{B9614994-C529-43AC-BD2C-52D47B0301A5}" type="datetimeFigureOut">
               <a:rPr lang="zh-CN" altLang="en-US" smtClean="0"/>
-              <a:t>2022/1/29</a:t>
+              <a:t>2022/6/20</a:t>
             </a:fld>
             <a:endParaRPr lang="zh-CN" altLang="en-US"/>
           </a:p>
@@ -1245,7 +1245,7 @@
           <a:p>
             <a:fld id="{B9614994-C529-43AC-BD2C-52D47B0301A5}" type="datetimeFigureOut">
               <a:rPr lang="zh-CN" altLang="en-US" smtClean="0"/>
-              <a:t>2022/1/29</a:t>
+              <a:t>2022/6/20</a:t>
             </a:fld>
             <a:endParaRPr lang="zh-CN" altLang="en-US"/>
           </a:p>
@@ -1453,7 +1453,7 @@
           <a:p>
             <a:fld id="{B9614994-C529-43AC-BD2C-52D47B0301A5}" type="datetimeFigureOut">
               <a:rPr lang="zh-CN" altLang="en-US" smtClean="0"/>
-              <a:t>2022/1/29</a:t>
+              <a:t>2022/6/20</a:t>
             </a:fld>
             <a:endParaRPr lang="zh-CN" altLang="en-US"/>
           </a:p>
@@ -1651,7 +1651,7 @@
           <a:p>
             <a:fld id="{B9614994-C529-43AC-BD2C-52D47B0301A5}" type="datetimeFigureOut">
               <a:rPr lang="zh-CN" altLang="en-US" smtClean="0"/>
-              <a:t>2022/1/29</a:t>
+              <a:t>2022/6/20</a:t>
             </a:fld>
             <a:endParaRPr lang="zh-CN" altLang="en-US"/>
           </a:p>
@@ -1926,7 +1926,7 @@
           <a:p>
             <a:fld id="{B9614994-C529-43AC-BD2C-52D47B0301A5}" type="datetimeFigureOut">
               <a:rPr lang="zh-CN" altLang="en-US" smtClean="0"/>
-              <a:t>2022/1/29</a:t>
+              <a:t>2022/6/20</a:t>
             </a:fld>
             <a:endParaRPr lang="zh-CN" altLang="en-US"/>
           </a:p>
@@ -2191,7 +2191,7 @@
           <a:p>
             <a:fld id="{B9614994-C529-43AC-BD2C-52D47B0301A5}" type="datetimeFigureOut">
               <a:rPr lang="zh-CN" altLang="en-US" smtClean="0"/>
-              <a:t>2022/1/29</a:t>
+              <a:t>2022/6/20</a:t>
             </a:fld>
             <a:endParaRPr lang="zh-CN" altLang="en-US"/>
           </a:p>
@@ -2603,7 +2603,7 @@
           <a:p>
             <a:fld id="{B9614994-C529-43AC-BD2C-52D47B0301A5}" type="datetimeFigureOut">
               <a:rPr lang="zh-CN" altLang="en-US" smtClean="0"/>
-              <a:t>2022/1/29</a:t>
+              <a:t>2022/6/20</a:t>
             </a:fld>
             <a:endParaRPr lang="zh-CN" altLang="en-US"/>
           </a:p>
@@ -2744,7 +2744,7 @@
           <a:p>
             <a:fld id="{B9614994-C529-43AC-BD2C-52D47B0301A5}" type="datetimeFigureOut">
               <a:rPr lang="zh-CN" altLang="en-US" smtClean="0"/>
-              <a:t>2022/1/29</a:t>
+              <a:t>2022/6/20</a:t>
             </a:fld>
             <a:endParaRPr lang="zh-CN" altLang="en-US"/>
           </a:p>
@@ -2857,7 +2857,7 @@
           <a:p>
             <a:fld id="{B9614994-C529-43AC-BD2C-52D47B0301A5}" type="datetimeFigureOut">
               <a:rPr lang="zh-CN" altLang="en-US" smtClean="0"/>
-              <a:t>2022/1/29</a:t>
+              <a:t>2022/6/20</a:t>
             </a:fld>
             <a:endParaRPr lang="zh-CN" altLang="en-US"/>
           </a:p>
@@ -3168,7 +3168,7 @@
           <a:p>
             <a:fld id="{B9614994-C529-43AC-BD2C-52D47B0301A5}" type="datetimeFigureOut">
               <a:rPr lang="zh-CN" altLang="en-US" smtClean="0"/>
-              <a:t>2022/1/29</a:t>
+              <a:t>2022/6/20</a:t>
             </a:fld>
             <a:endParaRPr lang="zh-CN" altLang="en-US"/>
           </a:p>
@@ -3456,7 +3456,7 @@
           <a:p>
             <a:fld id="{B9614994-C529-43AC-BD2C-52D47B0301A5}" type="datetimeFigureOut">
               <a:rPr lang="zh-CN" altLang="en-US" smtClean="0"/>
-              <a:t>2022/1/29</a:t>
+              <a:t>2022/6/20</a:t>
             </a:fld>
             <a:endParaRPr lang="zh-CN" altLang="en-US"/>
           </a:p>
@@ -3697,7 +3697,7 @@
           <a:p>
             <a:fld id="{B9614994-C529-43AC-BD2C-52D47B0301A5}" type="datetimeFigureOut">
               <a:rPr lang="zh-CN" altLang="en-US" smtClean="0"/>
-              <a:t>2022/1/29</a:t>
+              <a:t>2022/6/20</a:t>
             </a:fld>
             <a:endParaRPr lang="zh-CN" altLang="en-US"/>
           </a:p>
@@ -4194,7 +4194,7 @@
                 <a:latin typeface="Calibri" charset="0"/>
                 <a:cs typeface="Calibri" charset="0"/>
               </a:rPr>
-              <a:t>Dec 03 2021</a:t>
+              <a:t>Jan 29 2021</a:t>
             </a:r>
             <a:endParaRPr lang="en-US" sz="1600" dirty="0">
               <a:latin typeface="Calibri" charset="0"/>

--- a/doc/Report/Jan 29 2022.pptx
+++ b/doc/Report/Jan 29 2022.pptx
@@ -213,7 +213,7 @@
           <a:p>
             <a:fld id="{97BE2177-E45B-449F-AE2E-ED4743253C6D}" type="datetimeFigureOut">
               <a:rPr lang="zh-CN" altLang="en-US" smtClean="0"/>
-              <a:t>2022/6/20</a:t>
+              <a:t>2022/10/1</a:t>
             </a:fld>
             <a:endParaRPr lang="zh-CN" altLang="en-US"/>
           </a:p>
@@ -1047,7 +1047,7 @@
           <a:p>
             <a:fld id="{B9614994-C529-43AC-BD2C-52D47B0301A5}" type="datetimeFigureOut">
               <a:rPr lang="zh-CN" altLang="en-US" smtClean="0"/>
-              <a:t>2022/6/20</a:t>
+              <a:t>2022/10/1</a:t>
             </a:fld>
             <a:endParaRPr lang="zh-CN" altLang="en-US"/>
           </a:p>
@@ -1245,7 +1245,7 @@
           <a:p>
             <a:fld id="{B9614994-C529-43AC-BD2C-52D47B0301A5}" type="datetimeFigureOut">
               <a:rPr lang="zh-CN" altLang="en-US" smtClean="0"/>
-              <a:t>2022/6/20</a:t>
+              <a:t>2022/10/1</a:t>
             </a:fld>
             <a:endParaRPr lang="zh-CN" altLang="en-US"/>
           </a:p>
@@ -1453,7 +1453,7 @@
           <a:p>
             <a:fld id="{B9614994-C529-43AC-BD2C-52D47B0301A5}" type="datetimeFigureOut">
               <a:rPr lang="zh-CN" altLang="en-US" smtClean="0"/>
-              <a:t>2022/6/20</a:t>
+              <a:t>2022/10/1</a:t>
             </a:fld>
             <a:endParaRPr lang="zh-CN" altLang="en-US"/>
           </a:p>
@@ -1651,7 +1651,7 @@
           <a:p>
             <a:fld id="{B9614994-C529-43AC-BD2C-52D47B0301A5}" type="datetimeFigureOut">
               <a:rPr lang="zh-CN" altLang="en-US" smtClean="0"/>
-              <a:t>2022/6/20</a:t>
+              <a:t>2022/10/1</a:t>
             </a:fld>
             <a:endParaRPr lang="zh-CN" altLang="en-US"/>
           </a:p>
@@ -1926,7 +1926,7 @@
           <a:p>
             <a:fld id="{B9614994-C529-43AC-BD2C-52D47B0301A5}" type="datetimeFigureOut">
               <a:rPr lang="zh-CN" altLang="en-US" smtClean="0"/>
-              <a:t>2022/6/20</a:t>
+              <a:t>2022/10/1</a:t>
             </a:fld>
             <a:endParaRPr lang="zh-CN" altLang="en-US"/>
           </a:p>
@@ -2191,7 +2191,7 @@
           <a:p>
             <a:fld id="{B9614994-C529-43AC-BD2C-52D47B0301A5}" type="datetimeFigureOut">
               <a:rPr lang="zh-CN" altLang="en-US" smtClean="0"/>
-              <a:t>2022/6/20</a:t>
+              <a:t>2022/10/1</a:t>
             </a:fld>
             <a:endParaRPr lang="zh-CN" altLang="en-US"/>
           </a:p>
@@ -2603,7 +2603,7 @@
           <a:p>
             <a:fld id="{B9614994-C529-43AC-BD2C-52D47B0301A5}" type="datetimeFigureOut">
               <a:rPr lang="zh-CN" altLang="en-US" smtClean="0"/>
-              <a:t>2022/6/20</a:t>
+              <a:t>2022/10/1</a:t>
             </a:fld>
             <a:endParaRPr lang="zh-CN" altLang="en-US"/>
           </a:p>
@@ -2744,7 +2744,7 @@
           <a:p>
             <a:fld id="{B9614994-C529-43AC-BD2C-52D47B0301A5}" type="datetimeFigureOut">
               <a:rPr lang="zh-CN" altLang="en-US" smtClean="0"/>
-              <a:t>2022/6/20</a:t>
+              <a:t>2022/10/1</a:t>
             </a:fld>
             <a:endParaRPr lang="zh-CN" altLang="en-US"/>
           </a:p>
@@ -2857,7 +2857,7 @@
           <a:p>
             <a:fld id="{B9614994-C529-43AC-BD2C-52D47B0301A5}" type="datetimeFigureOut">
               <a:rPr lang="zh-CN" altLang="en-US" smtClean="0"/>
-              <a:t>2022/6/20</a:t>
+              <a:t>2022/10/1</a:t>
             </a:fld>
             <a:endParaRPr lang="zh-CN" altLang="en-US"/>
           </a:p>
@@ -3168,7 +3168,7 @@
           <a:p>
             <a:fld id="{B9614994-C529-43AC-BD2C-52D47B0301A5}" type="datetimeFigureOut">
               <a:rPr lang="zh-CN" altLang="en-US" smtClean="0"/>
-              <a:t>2022/6/20</a:t>
+              <a:t>2022/10/1</a:t>
             </a:fld>
             <a:endParaRPr lang="zh-CN" altLang="en-US"/>
           </a:p>
@@ -3456,7 +3456,7 @@
           <a:p>
             <a:fld id="{B9614994-C529-43AC-BD2C-52D47B0301A5}" type="datetimeFigureOut">
               <a:rPr lang="zh-CN" altLang="en-US" smtClean="0"/>
-              <a:t>2022/6/20</a:t>
+              <a:t>2022/10/1</a:t>
             </a:fld>
             <a:endParaRPr lang="zh-CN" altLang="en-US"/>
           </a:p>
@@ -3697,7 +3697,7 @@
           <a:p>
             <a:fld id="{B9614994-C529-43AC-BD2C-52D47B0301A5}" type="datetimeFigureOut">
               <a:rPr lang="zh-CN" altLang="en-US" smtClean="0"/>
-              <a:t>2022/6/20</a:t>
+              <a:t>2022/10/1</a:t>
             </a:fld>
             <a:endParaRPr lang="zh-CN" altLang="en-US"/>
           </a:p>
@@ -4194,7 +4194,14 @@
                 <a:latin typeface="Calibri" charset="0"/>
                 <a:cs typeface="Calibri" charset="0"/>
               </a:rPr>
-              <a:t>Jan 29 2021</a:t>
+              <a:t>Jan </a:t>
+            </a:r>
+            <a:r>
+              <a:rPr lang="en-US" altLang="zh-CN" sz="1600">
+                <a:latin typeface="Calibri" charset="0"/>
+                <a:cs typeface="Calibri" charset="0"/>
+              </a:rPr>
+              <a:t>29 2022</a:t>
             </a:r>
             <a:endParaRPr lang="en-US" sz="1600" dirty="0">
               <a:latin typeface="Calibri" charset="0"/>
